--- a/160704 로그분석 - 5 (2015 vs 2016).pptx
+++ b/160704 로그분석 - 5 (2015 vs 2016).pptx
@@ -8953,11 +8953,7 @@
           <a:p>
             <a:r>
               <a:rPr lang="ko-KR" altLang="en-US" dirty="0" smtClean="0"/>
-              <a:t>학업 성취도</a:t>
-            </a:r>
-            <a:r>
-              <a:rPr lang="ko-KR" altLang="en-US" dirty="0" smtClean="0"/>
-              <a:t> 변동 그래프</a:t>
+              <a:t>학업 성취도 변동 그래프</a:t>
             </a:r>
             <a:endParaRPr lang="ko-KR" altLang="en-US" dirty="0"/>
           </a:p>
@@ -10938,11 +10934,11 @@
   <p:clrMapOvr>
     <a:masterClrMapping/>
   </p:clrMapOvr>
-  <mc:AlternateContent xmlns:mc="http://schemas.openxmlformats.org/markup-compatibility/2006">
-    <mc:Choice xmlns:p14="http://schemas.microsoft.com/office/powerpoint/2010/main" Requires="p14">
+  <mc:AlternateContent xmlns:mc="http://schemas.openxmlformats.org/markup-compatibility/2006" xmlns:p14="http://schemas.microsoft.com/office/powerpoint/2010/main">
+    <mc:Choice Requires="p14">
       <p:transition p14:dur="0"/>
     </mc:Choice>
-    <mc:Fallback>
+    <mc:Fallback xmlns="">
       <p:transition/>
     </mc:Fallback>
   </mc:AlternateContent>
@@ -11600,11 +11596,11 @@
   <p:clrMapOvr>
     <a:masterClrMapping/>
   </p:clrMapOvr>
-  <mc:AlternateContent xmlns:mc="http://schemas.openxmlformats.org/markup-compatibility/2006">
-    <mc:Choice xmlns:p14="http://schemas.microsoft.com/office/powerpoint/2010/main" Requires="p14">
+  <mc:AlternateContent xmlns:mc="http://schemas.openxmlformats.org/markup-compatibility/2006" xmlns:p14="http://schemas.microsoft.com/office/powerpoint/2010/main">
+    <mc:Choice Requires="p14">
       <p:transition p14:dur="0"/>
     </mc:Choice>
-    <mc:Fallback>
+    <mc:Fallback xmlns="">
       <p:transition/>
     </mc:Fallback>
   </mc:AlternateContent>
@@ -11895,11 +11891,11 @@
   <p:clrMapOvr>
     <a:masterClrMapping/>
   </p:clrMapOvr>
-  <mc:AlternateContent xmlns:mc="http://schemas.openxmlformats.org/markup-compatibility/2006">
-    <mc:Choice xmlns:p14="http://schemas.microsoft.com/office/powerpoint/2010/main" Requires="p14">
+  <mc:AlternateContent xmlns:mc="http://schemas.openxmlformats.org/markup-compatibility/2006" xmlns:p14="http://schemas.microsoft.com/office/powerpoint/2010/main">
+    <mc:Choice Requires="p14">
       <p:transition p14:dur="0"/>
     </mc:Choice>
-    <mc:Fallback>
+    <mc:Fallback xmlns="">
       <p:transition/>
     </mc:Fallback>
   </mc:AlternateContent>
@@ -13042,23 +13038,26 @@
             <a:pPr lvl="1"/>
             <a:r>
               <a:rPr lang="ko-KR" altLang="en-US" dirty="0" smtClean="0"/>
-              <a:t>학업 성취도 변</a:t>
-            </a:r>
+              <a:t>학업 성취도 변동 그래프</a:t>
+            </a:r>
+            <a:endParaRPr lang="en-US" altLang="ko-KR" dirty="0" smtClean="0"/>
+          </a:p>
+          <a:p>
+            <a:pPr lvl="1"/>
             <a:r>
               <a:rPr lang="ko-KR" altLang="en-US" dirty="0" smtClean="0"/>
-              <a:t>동</a:t>
+              <a:t>액션 간 </a:t>
             </a:r>
             <a:r>
               <a:rPr lang="ko-KR" altLang="en-US" dirty="0" smtClean="0"/>
-              <a:t> 그래프</a:t>
-            </a:r>
-            <a:endParaRPr lang="en-US" altLang="ko-KR" dirty="0" smtClean="0"/>
-          </a:p>
-          <a:p>
-            <a:pPr lvl="1"/>
-            <a:r>
-              <a:rPr lang="ko-KR" altLang="en-US" dirty="0" smtClean="0"/>
-              <a:t>액션 간 시간</a:t>
+              <a:t>시간</a:t>
+            </a:r>
+            <a:endParaRPr lang="en-US" altLang="ko-KR" smtClean="0"/>
+          </a:p>
+          <a:p>
+            <a:r>
+              <a:rPr lang="ko-KR" altLang="en-US" smtClean="0"/>
+              <a:t>결론</a:t>
             </a:r>
             <a:endParaRPr lang="en-US" altLang="ko-KR" dirty="0" smtClean="0"/>
           </a:p>
@@ -24472,11 +24471,7 @@
             </a:r>
             <a:r>
               <a:rPr lang="ko-KR" altLang="en-US" dirty="0" smtClean="0"/>
-              <a:t> </a:t>
-            </a:r>
-            <a:r>
-              <a:rPr lang="ko-KR" altLang="en-US" dirty="0" smtClean="0"/>
-              <a:t>로그 데이터</a:t>
+              <a:t> 로그 데이터</a:t>
             </a:r>
             <a:endParaRPr lang="en-US" altLang="ko-KR" dirty="0" smtClean="0"/>
           </a:p>
@@ -26367,11 +26362,7 @@
             </a:r>
             <a:r>
               <a:rPr lang="ko-KR" altLang="en-US" dirty="0" smtClean="0"/>
-              <a:t>없는 </a:t>
-            </a:r>
-            <a:r>
-              <a:rPr lang="ko-KR" altLang="en-US" dirty="0" smtClean="0"/>
-              <a:t>문제</a:t>
+              <a:t>없는 문제</a:t>
             </a:r>
             <a:endParaRPr lang="en-US" altLang="ko-KR" dirty="0" smtClean="0"/>
           </a:p>
@@ -27117,11 +27108,7 @@
             </a:r>
             <a:r>
               <a:rPr lang="en-US" altLang="ko-KR" dirty="0" smtClean="0"/>
-              <a:t>)~(30,10,20</a:t>
-            </a:r>
-            <a:r>
-              <a:rPr lang="en-US" altLang="ko-KR" dirty="0" smtClean="0"/>
-              <a:t>) </a:t>
+              <a:t>)~(30,10,20) </a:t>
             </a:r>
             <a:r>
               <a:rPr lang="en-US" altLang="ko-KR" dirty="0" smtClean="0">
@@ -28069,15 +28056,7 @@
                   <a:srgbClr val="FF0000"/>
                 </a:solidFill>
               </a:rPr>
-              <a:t>9)=</a:t>
-            </a:r>
-            <a:r>
-              <a:rPr lang="en-US" altLang="ko-KR" dirty="0" smtClean="0">
-                <a:solidFill>
-                  <a:srgbClr val="FF0000"/>
-                </a:solidFill>
-              </a:rPr>
-              <a:t>43 </a:t>
+              <a:t>9)=43 </a:t>
             </a:r>
           </a:p>
           <a:p>
@@ -28122,7 +28101,6 @@
               <a:rPr lang="en-US" altLang="ko-KR" dirty="0" smtClean="0"/>
               <a:t>)</a:t>
             </a:r>
-            <a:endParaRPr lang="en-US" altLang="ko-KR" dirty="0" smtClean="0"/>
           </a:p>
           <a:p>
             <a:pPr lvl="2"/>
